--- a/presentation.pptx
+++ b/presentation.pptx
@@ -9,17 +9,18 @@
     <p:sldId id="257" r:id="rId3"/>
     <p:sldId id="258" r:id="rId4"/>
     <p:sldId id="259" r:id="rId5"/>
-    <p:sldId id="260" r:id="rId6"/>
-    <p:sldId id="261" r:id="rId7"/>
-    <p:sldId id="263" r:id="rId8"/>
-    <p:sldId id="264" r:id="rId9"/>
-    <p:sldId id="265" r:id="rId10"/>
-    <p:sldId id="266" r:id="rId11"/>
-    <p:sldId id="267" r:id="rId12"/>
-    <p:sldId id="268" r:id="rId13"/>
-    <p:sldId id="269" r:id="rId14"/>
-    <p:sldId id="270" r:id="rId15"/>
-    <p:sldId id="271" r:id="rId16"/>
+    <p:sldId id="272" r:id="rId6"/>
+    <p:sldId id="260" r:id="rId7"/>
+    <p:sldId id="261" r:id="rId8"/>
+    <p:sldId id="263" r:id="rId9"/>
+    <p:sldId id="264" r:id="rId10"/>
+    <p:sldId id="265" r:id="rId11"/>
+    <p:sldId id="266" r:id="rId12"/>
+    <p:sldId id="267" r:id="rId13"/>
+    <p:sldId id="268" r:id="rId14"/>
+    <p:sldId id="269" r:id="rId15"/>
+    <p:sldId id="270" r:id="rId16"/>
+    <p:sldId id="271" r:id="rId17"/>
   </p:sldIdLst>
   <p:sldSz cx="12192000" cy="6858000"/>
   <p:notesSz cx="6858000" cy="9144000"/>
@@ -3833,7 +3834,7 @@
         <p:cNvPr id="1" name="">
           <a:extLst>
             <a:ext uri="{FF2B5EF4-FFF2-40B4-BE49-F238E27FC236}">
-              <a16:creationId xmlns:a16="http://schemas.microsoft.com/office/drawing/2014/main" id="{62EC0473-9332-F452-CA50-CF60FAEBA988}"/>
+              <a16:creationId xmlns:a16="http://schemas.microsoft.com/office/drawing/2014/main" id="{3F876E01-19A2-1517-47C4-5A35B5DF4FE1}"/>
             </a:ext>
           </a:extLst>
         </p:cNvPr>
@@ -3853,7 +3854,7 @@
           <p:cNvPr id="5" name="TextBox 4">
             <a:extLst>
               <a:ext uri="{FF2B5EF4-FFF2-40B4-BE49-F238E27FC236}">
-                <a16:creationId xmlns:a16="http://schemas.microsoft.com/office/drawing/2014/main" id="{317DC90C-D611-A76F-412B-3B68E13921A2}"/>
+                <a16:creationId xmlns:a16="http://schemas.microsoft.com/office/drawing/2014/main" id="{7A8AFBD1-F610-BECA-6938-6F8DBEEC337F}"/>
               </a:ext>
             </a:extLst>
           </p:cNvPr>
@@ -3880,19 +3881,7 @@
               <a:rPr lang="en-IN" sz="2400" dirty="0">
                 <a:latin typeface="Bahnschrift" panose="020B0502040204020203" pitchFamily="34" charset="0"/>
               </a:rPr>
-              <a:t>6. </a:t>
-            </a:r>
-            <a:r>
-              <a:rPr lang="en-US" sz="2400" dirty="0">
-                <a:latin typeface="Bahnschrift" panose="020B0502040204020203" pitchFamily="34" charset="0"/>
-              </a:rPr>
-              <a:t>Unique post_category names alongside their respective counts for each month</a:t>
-            </a:r>
-            <a:r>
-              <a:rPr lang="en-IN" sz="2400" dirty="0">
-                <a:latin typeface="Bahnschrift" panose="020B0502040204020203" pitchFamily="34" charset="0"/>
-              </a:rPr>
-              <a:t>.</a:t>
+              <a:t>5. Total likes by post category in the month of July.</a:t>
             </a:r>
           </a:p>
         </p:txBody>
@@ -3902,7 +3891,7 @@
           <p:cNvPr id="7" name="Straight Connector 6">
             <a:extLst>
               <a:ext uri="{FF2B5EF4-FFF2-40B4-BE49-F238E27FC236}">
-                <a16:creationId xmlns:a16="http://schemas.microsoft.com/office/drawing/2014/main" id="{C0E68706-07A9-E5F8-4313-8A62182668EC}"/>
+                <a16:creationId xmlns:a16="http://schemas.microsoft.com/office/drawing/2014/main" id="{9BB35124-7BA9-4EDC-AFD6-CB444A4BD921}"/>
               </a:ext>
             </a:extLst>
           </p:cNvPr>
@@ -3945,7 +3934,7 @@
           <p:cNvPr id="3" name="Picture 2">
             <a:extLst>
               <a:ext uri="{FF2B5EF4-FFF2-40B4-BE49-F238E27FC236}">
-                <a16:creationId xmlns:a16="http://schemas.microsoft.com/office/drawing/2014/main" id="{243342AF-101C-04E8-BB68-44A238D33DE4}"/>
+                <a16:creationId xmlns:a16="http://schemas.microsoft.com/office/drawing/2014/main" id="{EEEE83AB-818D-8CBD-92E9-C899ADBF68F1}"/>
               </a:ext>
             </a:extLst>
           </p:cNvPr>
@@ -3968,8 +3957,8 @@
         </p:blipFill>
         <p:spPr>
           <a:xfrm>
-            <a:off x="235974" y="4277032"/>
-            <a:ext cx="11621729" cy="2340891"/>
+            <a:off x="9377183" y="882317"/>
+            <a:ext cx="2581635" cy="2844107"/>
           </a:xfrm>
           <a:prstGeom prst="rect">
             <a:avLst/>
@@ -3991,7 +3980,7 @@
           <p:cNvPr id="6" name="Picture 5">
             <a:extLst>
               <a:ext uri="{FF2B5EF4-FFF2-40B4-BE49-F238E27FC236}">
-                <a16:creationId xmlns:a16="http://schemas.microsoft.com/office/drawing/2014/main" id="{8A42A103-B5F9-D5F2-EB1C-44F4F31D3F35}"/>
+                <a16:creationId xmlns:a16="http://schemas.microsoft.com/office/drawing/2014/main" id="{2C522453-E122-9E7A-80FE-A7C6B988FD6C}"/>
               </a:ext>
             </a:extLst>
           </p:cNvPr>
@@ -4014,8 +4003,8 @@
         </p:blipFill>
         <p:spPr>
           <a:xfrm>
-            <a:off x="6942117" y="737063"/>
-            <a:ext cx="4915586" cy="3421977"/>
+            <a:off x="309988" y="4031225"/>
+            <a:ext cx="11648830" cy="2440751"/>
           </a:xfrm>
           <a:prstGeom prst="rect">
             <a:avLst/>
@@ -4037,6 +4026,312 @@
           <p:cNvPr id="2" name="TextBox 1">
             <a:extLst>
               <a:ext uri="{FF2B5EF4-FFF2-40B4-BE49-F238E27FC236}">
+                <a16:creationId xmlns:a16="http://schemas.microsoft.com/office/drawing/2014/main" id="{2662ABFA-EFBE-EA66-442C-108DE37D2126}"/>
+              </a:ext>
+            </a:extLst>
+          </p:cNvPr>
+          <p:cNvSpPr txBox="1"/>
+          <p:nvPr/>
+        </p:nvSpPr>
+        <p:spPr>
+          <a:xfrm>
+            <a:off x="157316" y="882318"/>
+            <a:ext cx="8976852" cy="2677656"/>
+          </a:xfrm>
+          <a:prstGeom prst="rect">
+            <a:avLst/>
+          </a:prstGeom>
+          <a:noFill/>
+        </p:spPr>
+        <p:txBody>
+          <a:bodyPr wrap="square" rtlCol="0">
+            <a:spAutoFit/>
+          </a:bodyPr>
+          <a:lstStyle/>
+          <a:p>
+            <a:pPr marL="342900" indent="-342900">
+              <a:buFont typeface="Arial" panose="020B0604020202020204" pitchFamily="34" charset="0"/>
+              <a:buChar char="•"/>
+            </a:pPr>
+            <a:r>
+              <a:rPr lang="en-US" sz="2400" dirty="0">
+                <a:latin typeface="Bahnschrift" panose="020B0502040204020203" pitchFamily="34" charset="0"/>
+              </a:rPr>
+              <a:t>July showed a decline in both profile visits and new followers.</a:t>
+            </a:r>
+          </a:p>
+          <a:p>
+            <a:pPr marL="342900" indent="-342900">
+              <a:buFont typeface="Arial" panose="020B0604020202020204" pitchFamily="34" charset="0"/>
+              <a:buChar char="•"/>
+            </a:pPr>
+            <a:endParaRPr lang="en-US" sz="2400" dirty="0">
+              <a:latin typeface="Bahnschrift" panose="020B0502040204020203" pitchFamily="34" charset="0"/>
+            </a:endParaRPr>
+          </a:p>
+          <a:p>
+            <a:pPr marL="342900" indent="-342900">
+              <a:buFont typeface="Arial" panose="020B0604020202020204" pitchFamily="34" charset="0"/>
+              <a:buChar char="•"/>
+            </a:pPr>
+            <a:r>
+              <a:rPr lang="en-US" sz="2400" dirty="0">
+                <a:latin typeface="Bahnschrift" panose="020B0502040204020203" pitchFamily="34" charset="0"/>
+              </a:rPr>
+              <a:t>Analysis of total likes by post category revealed "Other Gadgets" had the highest engagement (26,519 likes).</a:t>
+            </a:r>
+          </a:p>
+          <a:p>
+            <a:pPr marL="342900" indent="-342900">
+              <a:buFont typeface="Arial" panose="020B0604020202020204" pitchFamily="34" charset="0"/>
+              <a:buChar char="•"/>
+            </a:pPr>
+            <a:endParaRPr lang="en-US" sz="2400" dirty="0">
+              <a:latin typeface="Bahnschrift" panose="020B0502040204020203" pitchFamily="34" charset="0"/>
+            </a:endParaRPr>
+          </a:p>
+          <a:p>
+            <a:pPr marL="342900" indent="-342900">
+              <a:buFont typeface="Arial" panose="020B0604020202020204" pitchFamily="34" charset="0"/>
+              <a:buChar char="•"/>
+            </a:pPr>
+            <a:r>
+              <a:rPr lang="en-US" sz="2400" dirty="0">
+                <a:latin typeface="Bahnschrift" panose="020B0502040204020203" pitchFamily="34" charset="0"/>
+              </a:rPr>
+              <a:t>"Smartwatch" posts had the lowest engagement, with only 3,918 likes, indicating a shift in audience interest.</a:t>
+            </a:r>
+            <a:endParaRPr lang="en-IN" sz="2400" dirty="0">
+              <a:latin typeface="Bahnschrift" panose="020B0502040204020203" pitchFamily="34" charset="0"/>
+            </a:endParaRPr>
+          </a:p>
+        </p:txBody>
+      </p:sp>
+    </p:spTree>
+    <p:extLst>
+      <p:ext uri="{BB962C8B-B14F-4D97-AF65-F5344CB8AC3E}">
+        <p14:creationId xmlns:p14="http://schemas.microsoft.com/office/powerpoint/2010/main" val="1466094403"/>
+      </p:ext>
+    </p:extLst>
+  </p:cSld>
+  <p:clrMapOvr>
+    <a:masterClrMapping/>
+  </p:clrMapOvr>
+</p:sld>
+</file>
+
+<file path=ppt/slides/slide11.xml><?xml version="1.0" encoding="utf-8"?>
+<p:sld xmlns:a="http://schemas.openxmlformats.org/drawingml/2006/main" xmlns:r="http://schemas.openxmlformats.org/officeDocument/2006/relationships" xmlns:p="http://schemas.openxmlformats.org/presentationml/2006/main">
+  <p:cSld>
+    <p:spTree>
+      <p:nvGrpSpPr>
+        <p:cNvPr id="1" name="">
+          <a:extLst>
+            <a:ext uri="{FF2B5EF4-FFF2-40B4-BE49-F238E27FC236}">
+              <a16:creationId xmlns:a16="http://schemas.microsoft.com/office/drawing/2014/main" id="{62EC0473-9332-F452-CA50-CF60FAEBA988}"/>
+            </a:ext>
+          </a:extLst>
+        </p:cNvPr>
+        <p:cNvGrpSpPr/>
+        <p:nvPr/>
+      </p:nvGrpSpPr>
+      <p:grpSpPr>
+        <a:xfrm>
+          <a:off x="0" y="0"/>
+          <a:ext cx="0" cy="0"/>
+          <a:chOff x="0" y="0"/>
+          <a:chExt cx="0" cy="0"/>
+        </a:xfrm>
+      </p:grpSpPr>
+      <p:sp>
+        <p:nvSpPr>
+          <p:cNvPr id="5" name="TextBox 4">
+            <a:extLst>
+              <a:ext uri="{FF2B5EF4-FFF2-40B4-BE49-F238E27FC236}">
+                <a16:creationId xmlns:a16="http://schemas.microsoft.com/office/drawing/2014/main" id="{317DC90C-D611-A76F-412B-3B68E13921A2}"/>
+              </a:ext>
+            </a:extLst>
+          </p:cNvPr>
+          <p:cNvSpPr txBox="1"/>
+          <p:nvPr/>
+        </p:nvSpPr>
+        <p:spPr>
+          <a:xfrm>
+            <a:off x="157316" y="117987"/>
+            <a:ext cx="11916697" cy="461665"/>
+          </a:xfrm>
+          <a:prstGeom prst="rect">
+            <a:avLst/>
+          </a:prstGeom>
+          <a:noFill/>
+        </p:spPr>
+        <p:txBody>
+          <a:bodyPr wrap="square" rtlCol="0">
+            <a:spAutoFit/>
+          </a:bodyPr>
+          <a:lstStyle/>
+          <a:p>
+            <a:r>
+              <a:rPr lang="en-IN" sz="2400" dirty="0">
+                <a:latin typeface="Bahnschrift" panose="020B0502040204020203" pitchFamily="34" charset="0"/>
+              </a:rPr>
+              <a:t>6. </a:t>
+            </a:r>
+            <a:r>
+              <a:rPr lang="en-US" sz="2400" dirty="0">
+                <a:latin typeface="Bahnschrift" panose="020B0502040204020203" pitchFamily="34" charset="0"/>
+              </a:rPr>
+              <a:t>Unique post_category names alongside their respective counts for each month</a:t>
+            </a:r>
+            <a:r>
+              <a:rPr lang="en-IN" sz="2400" dirty="0">
+                <a:latin typeface="Bahnschrift" panose="020B0502040204020203" pitchFamily="34" charset="0"/>
+              </a:rPr>
+              <a:t>.</a:t>
+            </a:r>
+          </a:p>
+        </p:txBody>
+      </p:sp>
+      <p:cxnSp>
+        <p:nvCxnSpPr>
+          <p:cNvPr id="7" name="Straight Connector 6">
+            <a:extLst>
+              <a:ext uri="{FF2B5EF4-FFF2-40B4-BE49-F238E27FC236}">
+                <a16:creationId xmlns:a16="http://schemas.microsoft.com/office/drawing/2014/main" id="{C0E68706-07A9-E5F8-4313-8A62182668EC}"/>
+              </a:ext>
+            </a:extLst>
+          </p:cNvPr>
+          <p:cNvCxnSpPr>
+            <a:cxnSpLocks/>
+          </p:cNvCxnSpPr>
+          <p:nvPr/>
+        </p:nvCxnSpPr>
+        <p:spPr>
+          <a:xfrm>
+            <a:off x="103238" y="579652"/>
+            <a:ext cx="11985523" cy="0"/>
+          </a:xfrm>
+          <a:prstGeom prst="line">
+            <a:avLst/>
+          </a:prstGeom>
+          <a:ln w="19050">
+            <a:solidFill>
+              <a:schemeClr val="tx1"/>
+            </a:solidFill>
+          </a:ln>
+        </p:spPr>
+        <p:style>
+          <a:lnRef idx="1">
+            <a:schemeClr val="accent1"/>
+          </a:lnRef>
+          <a:fillRef idx="0">
+            <a:schemeClr val="accent1"/>
+          </a:fillRef>
+          <a:effectRef idx="0">
+            <a:schemeClr val="accent1"/>
+          </a:effectRef>
+          <a:fontRef idx="minor">
+            <a:schemeClr val="tx1"/>
+          </a:fontRef>
+        </p:style>
+      </p:cxnSp>
+      <p:pic>
+        <p:nvPicPr>
+          <p:cNvPr id="3" name="Picture 2">
+            <a:extLst>
+              <a:ext uri="{FF2B5EF4-FFF2-40B4-BE49-F238E27FC236}">
+                <a16:creationId xmlns:a16="http://schemas.microsoft.com/office/drawing/2014/main" id="{243342AF-101C-04E8-BB68-44A238D33DE4}"/>
+              </a:ext>
+            </a:extLst>
+          </p:cNvPr>
+          <p:cNvPicPr>
+            <a:picLocks noChangeAspect="1"/>
+          </p:cNvPicPr>
+          <p:nvPr/>
+        </p:nvPicPr>
+        <p:blipFill>
+          <a:blip r:embed="rId2">
+            <a:extLst>
+              <a:ext uri="{28A0092B-C50C-407E-A947-70E740481C1C}">
+                <a14:useLocalDpi xmlns:a14="http://schemas.microsoft.com/office/drawing/2010/main" val="0"/>
+              </a:ext>
+            </a:extLst>
+          </a:blip>
+          <a:stretch>
+            <a:fillRect/>
+          </a:stretch>
+        </p:blipFill>
+        <p:spPr>
+          <a:xfrm>
+            <a:off x="235974" y="4277032"/>
+            <a:ext cx="11621729" cy="2340891"/>
+          </a:xfrm>
+          <a:prstGeom prst="rect">
+            <a:avLst/>
+          </a:prstGeom>
+          <a:ln>
+            <a:noFill/>
+          </a:ln>
+          <a:effectLst>
+            <a:outerShdw blurRad="190500" algn="tl" rotWithShape="0">
+              <a:srgbClr val="000000">
+                <a:alpha val="70000"/>
+              </a:srgbClr>
+            </a:outerShdw>
+          </a:effectLst>
+        </p:spPr>
+      </p:pic>
+      <p:pic>
+        <p:nvPicPr>
+          <p:cNvPr id="6" name="Picture 5">
+            <a:extLst>
+              <a:ext uri="{FF2B5EF4-FFF2-40B4-BE49-F238E27FC236}">
+                <a16:creationId xmlns:a16="http://schemas.microsoft.com/office/drawing/2014/main" id="{8A42A103-B5F9-D5F2-EB1C-44F4F31D3F35}"/>
+              </a:ext>
+            </a:extLst>
+          </p:cNvPr>
+          <p:cNvPicPr>
+            <a:picLocks noChangeAspect="1"/>
+          </p:cNvPicPr>
+          <p:nvPr/>
+        </p:nvPicPr>
+        <p:blipFill>
+          <a:blip r:embed="rId3">
+            <a:extLst>
+              <a:ext uri="{28A0092B-C50C-407E-A947-70E740481C1C}">
+                <a14:useLocalDpi xmlns:a14="http://schemas.microsoft.com/office/drawing/2010/main" val="0"/>
+              </a:ext>
+            </a:extLst>
+          </a:blip>
+          <a:stretch>
+            <a:fillRect/>
+          </a:stretch>
+        </p:blipFill>
+        <p:spPr>
+          <a:xfrm>
+            <a:off x="6942117" y="737063"/>
+            <a:ext cx="4915586" cy="3421977"/>
+          </a:xfrm>
+          <a:prstGeom prst="rect">
+            <a:avLst/>
+          </a:prstGeom>
+          <a:ln>
+            <a:noFill/>
+          </a:ln>
+          <a:effectLst>
+            <a:outerShdw blurRad="190500" algn="tl" rotWithShape="0">
+              <a:srgbClr val="000000">
+                <a:alpha val="70000"/>
+              </a:srgbClr>
+            </a:outerShdw>
+          </a:effectLst>
+        </p:spPr>
+      </p:pic>
+      <p:sp>
+        <p:nvSpPr>
+          <p:cNvPr id="2" name="TextBox 1">
+            <a:extLst>
+              <a:ext uri="{FF2B5EF4-FFF2-40B4-BE49-F238E27FC236}">
                 <a16:creationId xmlns:a16="http://schemas.microsoft.com/office/drawing/2014/main" id="{BDE90F16-9140-24CC-3CFC-4292748E001D}"/>
               </a:ext>
             </a:extLst>
@@ -4131,7 +4426,7 @@
 </p:sld>
 </file>
 
-<file path=ppt/slides/slide11.xml><?xml version="1.0" encoding="utf-8"?>
+<file path=ppt/slides/slide12.xml><?xml version="1.0" encoding="utf-8"?>
 <p:sld xmlns:a="http://schemas.openxmlformats.org/drawingml/2006/main" xmlns:r="http://schemas.openxmlformats.org/officeDocument/2006/relationships" xmlns:p="http://schemas.openxmlformats.org/presentationml/2006/main">
   <p:cSld>
     <p:spTree>
@@ -4461,7 +4756,7 @@
 </p:sld>
 </file>
 
-<file path=ppt/slides/slide12.xml><?xml version="1.0" encoding="utf-8"?>
+<file path=ppt/slides/slide13.xml><?xml version="1.0" encoding="utf-8"?>
 <p:sld xmlns:a="http://schemas.openxmlformats.org/drawingml/2006/main" xmlns:r="http://schemas.openxmlformats.org/officeDocument/2006/relationships" xmlns:p="http://schemas.openxmlformats.org/presentationml/2006/main">
   <p:cSld>
     <p:spTree>
@@ -4789,7 +5084,7 @@
 </p:sld>
 </file>
 
-<file path=ppt/slides/slide13.xml><?xml version="1.0" encoding="utf-8"?>
+<file path=ppt/slides/slide14.xml><?xml version="1.0" encoding="utf-8"?>
 <p:sld xmlns:a="http://schemas.openxmlformats.org/drawingml/2006/main" xmlns:r="http://schemas.openxmlformats.org/officeDocument/2006/relationships" xmlns:p="http://schemas.openxmlformats.org/presentationml/2006/main">
   <p:cSld>
     <p:spTree>
@@ -5046,7 +5341,7 @@
 </p:sld>
 </file>
 
-<file path=ppt/slides/slide14.xml><?xml version="1.0" encoding="utf-8"?>
+<file path=ppt/slides/slide15.xml><?xml version="1.0" encoding="utf-8"?>
 <p:sld xmlns:a="http://schemas.openxmlformats.org/drawingml/2006/main" xmlns:r="http://schemas.openxmlformats.org/officeDocument/2006/relationships" xmlns:p="http://schemas.openxmlformats.org/presentationml/2006/main">
   <p:cSld>
     <p:spTree>
@@ -5337,7 +5632,7 @@
 </p:sld>
 </file>
 
-<file path=ppt/slides/slide15.xml><?xml version="1.0" encoding="utf-8"?>
+<file path=ppt/slides/slide16.xml><?xml version="1.0" encoding="utf-8"?>
 <p:sld xmlns:a="http://schemas.openxmlformats.org/drawingml/2006/main" xmlns:r="http://schemas.openxmlformats.org/officeDocument/2006/relationships" xmlns:p="http://schemas.openxmlformats.org/presentationml/2006/main">
   <p:cSld>
     <p:spTree>
@@ -6289,6 +6584,159 @@
         <p:cNvPr id="1" name="">
           <a:extLst>
             <a:ext uri="{FF2B5EF4-FFF2-40B4-BE49-F238E27FC236}">
+              <a16:creationId xmlns:a16="http://schemas.microsoft.com/office/drawing/2014/main" id="{F315C920-EF41-977D-6A35-62E16788EB64}"/>
+            </a:ext>
+          </a:extLst>
+        </p:cNvPr>
+        <p:cNvGrpSpPr/>
+        <p:nvPr/>
+      </p:nvGrpSpPr>
+      <p:grpSpPr>
+        <a:xfrm>
+          <a:off x="0" y="0"/>
+          <a:ext cx="0" cy="0"/>
+          <a:chOff x="0" y="0"/>
+          <a:chExt cx="0" cy="0"/>
+        </a:xfrm>
+      </p:grpSpPr>
+      <p:sp>
+        <p:nvSpPr>
+          <p:cNvPr id="5" name="TextBox 4">
+            <a:extLst>
+              <a:ext uri="{FF2B5EF4-FFF2-40B4-BE49-F238E27FC236}">
+                <a16:creationId xmlns:a16="http://schemas.microsoft.com/office/drawing/2014/main" id="{669E6DB9-85CE-3CAE-0503-D7BE552FD1EF}"/>
+              </a:ext>
+            </a:extLst>
+          </p:cNvPr>
+          <p:cNvSpPr txBox="1"/>
+          <p:nvPr/>
+        </p:nvSpPr>
+        <p:spPr>
+          <a:xfrm>
+            <a:off x="157316" y="117987"/>
+            <a:ext cx="11916697" cy="461665"/>
+          </a:xfrm>
+          <a:prstGeom prst="rect">
+            <a:avLst/>
+          </a:prstGeom>
+          <a:noFill/>
+        </p:spPr>
+        <p:txBody>
+          <a:bodyPr wrap="square" rtlCol="0">
+            <a:spAutoFit/>
+          </a:bodyPr>
+          <a:lstStyle/>
+          <a:p>
+            <a:r>
+              <a:rPr lang="en-IN" sz="2400" dirty="0">
+                <a:latin typeface="Bahnschrift" panose="020B0502040204020203" pitchFamily="34" charset="0"/>
+              </a:rPr>
+              <a:t>Pilot Overview dashboard :</a:t>
+            </a:r>
+          </a:p>
+        </p:txBody>
+      </p:sp>
+      <p:cxnSp>
+        <p:nvCxnSpPr>
+          <p:cNvPr id="7" name="Straight Connector 6">
+            <a:extLst>
+              <a:ext uri="{FF2B5EF4-FFF2-40B4-BE49-F238E27FC236}">
+                <a16:creationId xmlns:a16="http://schemas.microsoft.com/office/drawing/2014/main" id="{10C17890-0965-A4FF-74D1-A7C81C29E193}"/>
+              </a:ext>
+            </a:extLst>
+          </p:cNvPr>
+          <p:cNvCxnSpPr>
+            <a:cxnSpLocks/>
+          </p:cNvCxnSpPr>
+          <p:nvPr/>
+        </p:nvCxnSpPr>
+        <p:spPr>
+          <a:xfrm>
+            <a:off x="88490" y="579652"/>
+            <a:ext cx="11985523" cy="0"/>
+          </a:xfrm>
+          <a:prstGeom prst="line">
+            <a:avLst/>
+          </a:prstGeom>
+          <a:ln w="19050">
+            <a:solidFill>
+              <a:schemeClr val="tx1"/>
+            </a:solidFill>
+          </a:ln>
+        </p:spPr>
+        <p:style>
+          <a:lnRef idx="1">
+            <a:schemeClr val="accent1"/>
+          </a:lnRef>
+          <a:fillRef idx="0">
+            <a:schemeClr val="accent1"/>
+          </a:fillRef>
+          <a:effectRef idx="0">
+            <a:schemeClr val="accent1"/>
+          </a:effectRef>
+          <a:fontRef idx="minor">
+            <a:schemeClr val="tx1"/>
+          </a:fontRef>
+        </p:style>
+      </p:cxnSp>
+      <p:pic>
+        <p:nvPicPr>
+          <p:cNvPr id="8" name="Picture 7">
+            <a:extLst>
+              <a:ext uri="{FF2B5EF4-FFF2-40B4-BE49-F238E27FC236}">
+                <a16:creationId xmlns:a16="http://schemas.microsoft.com/office/drawing/2014/main" id="{B49A72CC-620E-DC86-F920-B13EFC78FE26}"/>
+              </a:ext>
+            </a:extLst>
+          </p:cNvPr>
+          <p:cNvPicPr>
+            <a:picLocks noChangeAspect="1"/>
+          </p:cNvPicPr>
+          <p:nvPr/>
+        </p:nvPicPr>
+        <p:blipFill>
+          <a:blip r:embed="rId2">
+            <a:extLst>
+              <a:ext uri="{28A0092B-C50C-407E-A947-70E740481C1C}">
+                <a14:useLocalDpi xmlns:a14="http://schemas.microsoft.com/office/drawing/2010/main" val="0"/>
+              </a:ext>
+            </a:extLst>
+          </a:blip>
+          <a:srcRect b="1683"/>
+          <a:stretch>
+            <a:fillRect/>
+          </a:stretch>
+        </p:blipFill>
+        <p:spPr>
+          <a:xfrm>
+            <a:off x="157316" y="805344"/>
+            <a:ext cx="11916697" cy="5742940"/>
+          </a:xfrm>
+          <a:prstGeom prst="rect">
+            <a:avLst/>
+          </a:prstGeom>
+        </p:spPr>
+      </p:pic>
+    </p:spTree>
+    <p:extLst>
+      <p:ext uri="{BB962C8B-B14F-4D97-AF65-F5344CB8AC3E}">
+        <p14:creationId xmlns:p14="http://schemas.microsoft.com/office/powerpoint/2010/main" val="107161445"/>
+      </p:ext>
+    </p:extLst>
+  </p:cSld>
+  <p:clrMapOvr>
+    <a:masterClrMapping/>
+  </p:clrMapOvr>
+</p:sld>
+</file>
+
+<file path=ppt/slides/slide6.xml><?xml version="1.0" encoding="utf-8"?>
+<p:sld xmlns:a="http://schemas.openxmlformats.org/drawingml/2006/main" xmlns:r="http://schemas.openxmlformats.org/officeDocument/2006/relationships" xmlns:p="http://schemas.openxmlformats.org/presentationml/2006/main">
+  <p:cSld>
+    <p:spTree>
+      <p:nvGrpSpPr>
+        <p:cNvPr id="1" name="">
+          <a:extLst>
+            <a:ext uri="{FF2B5EF4-FFF2-40B4-BE49-F238E27FC236}">
               <a16:creationId xmlns:a16="http://schemas.microsoft.com/office/drawing/2014/main" id="{B9D92625-1C3D-9403-FAA0-23E41BA049D0}"/>
             </a:ext>
           </a:extLst>
@@ -6563,7 +7011,7 @@
 </p:sld>
 </file>
 
-<file path=ppt/slides/slide6.xml><?xml version="1.0" encoding="utf-8"?>
+<file path=ppt/slides/slide7.xml><?xml version="1.0" encoding="utf-8"?>
 <p:sld xmlns:a="http://schemas.openxmlformats.org/drawingml/2006/main" xmlns:r="http://schemas.openxmlformats.org/officeDocument/2006/relationships" xmlns:p="http://schemas.openxmlformats.org/presentationml/2006/main">
   <p:cSld>
     <p:spTree>
@@ -6857,7 +7305,7 @@
 </p:sld>
 </file>
 
-<file path=ppt/slides/slide7.xml><?xml version="1.0" encoding="utf-8"?>
+<file path=ppt/slides/slide8.xml><?xml version="1.0" encoding="utf-8"?>
 <p:sld xmlns:a="http://schemas.openxmlformats.org/drawingml/2006/main" xmlns:r="http://schemas.openxmlformats.org/officeDocument/2006/relationships" xmlns:p="http://schemas.openxmlformats.org/presentationml/2006/main">
   <p:cSld>
     <p:spTree>
@@ -7019,7 +7467,7 @@
 </p:sld>
 </file>
 
-<file path=ppt/slides/slide8.xml><?xml version="1.0" encoding="utf-8"?>
+<file path=ppt/slides/slide9.xml><?xml version="1.0" encoding="utf-8"?>
 <p:sld xmlns:a="http://schemas.openxmlformats.org/drawingml/2006/main" xmlns:r="http://schemas.openxmlformats.org/officeDocument/2006/relationships" xmlns:p="http://schemas.openxmlformats.org/presentationml/2006/main">
   <p:cSld>
     <p:spTree>
@@ -7304,300 +7752,6 @@
     <p:extLst>
       <p:ext uri="{BB962C8B-B14F-4D97-AF65-F5344CB8AC3E}">
         <p14:creationId xmlns:p14="http://schemas.microsoft.com/office/powerpoint/2010/main" val="202805345"/>
-      </p:ext>
-    </p:extLst>
-  </p:cSld>
-  <p:clrMapOvr>
-    <a:masterClrMapping/>
-  </p:clrMapOvr>
-</p:sld>
-</file>
-
-<file path=ppt/slides/slide9.xml><?xml version="1.0" encoding="utf-8"?>
-<p:sld xmlns:a="http://schemas.openxmlformats.org/drawingml/2006/main" xmlns:r="http://schemas.openxmlformats.org/officeDocument/2006/relationships" xmlns:p="http://schemas.openxmlformats.org/presentationml/2006/main">
-  <p:cSld>
-    <p:spTree>
-      <p:nvGrpSpPr>
-        <p:cNvPr id="1" name="">
-          <a:extLst>
-            <a:ext uri="{FF2B5EF4-FFF2-40B4-BE49-F238E27FC236}">
-              <a16:creationId xmlns:a16="http://schemas.microsoft.com/office/drawing/2014/main" id="{3F876E01-19A2-1517-47C4-5A35B5DF4FE1}"/>
-            </a:ext>
-          </a:extLst>
-        </p:cNvPr>
-        <p:cNvGrpSpPr/>
-        <p:nvPr/>
-      </p:nvGrpSpPr>
-      <p:grpSpPr>
-        <a:xfrm>
-          <a:off x="0" y="0"/>
-          <a:ext cx="0" cy="0"/>
-          <a:chOff x="0" y="0"/>
-          <a:chExt cx="0" cy="0"/>
-        </a:xfrm>
-      </p:grpSpPr>
-      <p:sp>
-        <p:nvSpPr>
-          <p:cNvPr id="5" name="TextBox 4">
-            <a:extLst>
-              <a:ext uri="{FF2B5EF4-FFF2-40B4-BE49-F238E27FC236}">
-                <a16:creationId xmlns:a16="http://schemas.microsoft.com/office/drawing/2014/main" id="{7A8AFBD1-F610-BECA-6938-6F8DBEEC337F}"/>
-              </a:ext>
-            </a:extLst>
-          </p:cNvPr>
-          <p:cNvSpPr txBox="1"/>
-          <p:nvPr/>
-        </p:nvSpPr>
-        <p:spPr>
-          <a:xfrm>
-            <a:off x="157316" y="117987"/>
-            <a:ext cx="11916697" cy="461665"/>
-          </a:xfrm>
-          <a:prstGeom prst="rect">
-            <a:avLst/>
-          </a:prstGeom>
-          <a:noFill/>
-        </p:spPr>
-        <p:txBody>
-          <a:bodyPr wrap="square" rtlCol="0">
-            <a:spAutoFit/>
-          </a:bodyPr>
-          <a:lstStyle/>
-          <a:p>
-            <a:r>
-              <a:rPr lang="en-IN" sz="2400" dirty="0">
-                <a:latin typeface="Bahnschrift" panose="020B0502040204020203" pitchFamily="34" charset="0"/>
-              </a:rPr>
-              <a:t>5. Total likes by post category in the month of July.</a:t>
-            </a:r>
-          </a:p>
-        </p:txBody>
-      </p:sp>
-      <p:cxnSp>
-        <p:nvCxnSpPr>
-          <p:cNvPr id="7" name="Straight Connector 6">
-            <a:extLst>
-              <a:ext uri="{FF2B5EF4-FFF2-40B4-BE49-F238E27FC236}">
-                <a16:creationId xmlns:a16="http://schemas.microsoft.com/office/drawing/2014/main" id="{9BB35124-7BA9-4EDC-AFD6-CB444A4BD921}"/>
-              </a:ext>
-            </a:extLst>
-          </p:cNvPr>
-          <p:cNvCxnSpPr>
-            <a:cxnSpLocks/>
-          </p:cNvCxnSpPr>
-          <p:nvPr/>
-        </p:nvCxnSpPr>
-        <p:spPr>
-          <a:xfrm>
-            <a:off x="103238" y="579652"/>
-            <a:ext cx="11985523" cy="0"/>
-          </a:xfrm>
-          <a:prstGeom prst="line">
-            <a:avLst/>
-          </a:prstGeom>
-          <a:ln w="19050">
-            <a:solidFill>
-              <a:schemeClr val="tx1"/>
-            </a:solidFill>
-          </a:ln>
-        </p:spPr>
-        <p:style>
-          <a:lnRef idx="1">
-            <a:schemeClr val="accent1"/>
-          </a:lnRef>
-          <a:fillRef idx="0">
-            <a:schemeClr val="accent1"/>
-          </a:fillRef>
-          <a:effectRef idx="0">
-            <a:schemeClr val="accent1"/>
-          </a:effectRef>
-          <a:fontRef idx="minor">
-            <a:schemeClr val="tx1"/>
-          </a:fontRef>
-        </p:style>
-      </p:cxnSp>
-      <p:pic>
-        <p:nvPicPr>
-          <p:cNvPr id="3" name="Picture 2">
-            <a:extLst>
-              <a:ext uri="{FF2B5EF4-FFF2-40B4-BE49-F238E27FC236}">
-                <a16:creationId xmlns:a16="http://schemas.microsoft.com/office/drawing/2014/main" id="{EEEE83AB-818D-8CBD-92E9-C899ADBF68F1}"/>
-              </a:ext>
-            </a:extLst>
-          </p:cNvPr>
-          <p:cNvPicPr>
-            <a:picLocks noChangeAspect="1"/>
-          </p:cNvPicPr>
-          <p:nvPr/>
-        </p:nvPicPr>
-        <p:blipFill>
-          <a:blip r:embed="rId2">
-            <a:extLst>
-              <a:ext uri="{28A0092B-C50C-407E-A947-70E740481C1C}">
-                <a14:useLocalDpi xmlns:a14="http://schemas.microsoft.com/office/drawing/2010/main" val="0"/>
-              </a:ext>
-            </a:extLst>
-          </a:blip>
-          <a:stretch>
-            <a:fillRect/>
-          </a:stretch>
-        </p:blipFill>
-        <p:spPr>
-          <a:xfrm>
-            <a:off x="9377183" y="882317"/>
-            <a:ext cx="2581635" cy="2844107"/>
-          </a:xfrm>
-          <a:prstGeom prst="rect">
-            <a:avLst/>
-          </a:prstGeom>
-          <a:ln>
-            <a:noFill/>
-          </a:ln>
-          <a:effectLst>
-            <a:outerShdw blurRad="190500" algn="tl" rotWithShape="0">
-              <a:srgbClr val="000000">
-                <a:alpha val="70000"/>
-              </a:srgbClr>
-            </a:outerShdw>
-          </a:effectLst>
-        </p:spPr>
-      </p:pic>
-      <p:pic>
-        <p:nvPicPr>
-          <p:cNvPr id="6" name="Picture 5">
-            <a:extLst>
-              <a:ext uri="{FF2B5EF4-FFF2-40B4-BE49-F238E27FC236}">
-                <a16:creationId xmlns:a16="http://schemas.microsoft.com/office/drawing/2014/main" id="{2C522453-E122-9E7A-80FE-A7C6B988FD6C}"/>
-              </a:ext>
-            </a:extLst>
-          </p:cNvPr>
-          <p:cNvPicPr>
-            <a:picLocks noChangeAspect="1"/>
-          </p:cNvPicPr>
-          <p:nvPr/>
-        </p:nvPicPr>
-        <p:blipFill>
-          <a:blip r:embed="rId3">
-            <a:extLst>
-              <a:ext uri="{28A0092B-C50C-407E-A947-70E740481C1C}">
-                <a14:useLocalDpi xmlns:a14="http://schemas.microsoft.com/office/drawing/2010/main" val="0"/>
-              </a:ext>
-            </a:extLst>
-          </a:blip>
-          <a:stretch>
-            <a:fillRect/>
-          </a:stretch>
-        </p:blipFill>
-        <p:spPr>
-          <a:xfrm>
-            <a:off x="309988" y="4031225"/>
-            <a:ext cx="11648830" cy="2440751"/>
-          </a:xfrm>
-          <a:prstGeom prst="rect">
-            <a:avLst/>
-          </a:prstGeom>
-          <a:ln>
-            <a:noFill/>
-          </a:ln>
-          <a:effectLst>
-            <a:outerShdw blurRad="190500" algn="tl" rotWithShape="0">
-              <a:srgbClr val="000000">
-                <a:alpha val="70000"/>
-              </a:srgbClr>
-            </a:outerShdw>
-          </a:effectLst>
-        </p:spPr>
-      </p:pic>
-      <p:sp>
-        <p:nvSpPr>
-          <p:cNvPr id="2" name="TextBox 1">
-            <a:extLst>
-              <a:ext uri="{FF2B5EF4-FFF2-40B4-BE49-F238E27FC236}">
-                <a16:creationId xmlns:a16="http://schemas.microsoft.com/office/drawing/2014/main" id="{2662ABFA-EFBE-EA66-442C-108DE37D2126}"/>
-              </a:ext>
-            </a:extLst>
-          </p:cNvPr>
-          <p:cNvSpPr txBox="1"/>
-          <p:nvPr/>
-        </p:nvSpPr>
-        <p:spPr>
-          <a:xfrm>
-            <a:off x="157316" y="882318"/>
-            <a:ext cx="8976852" cy="2677656"/>
-          </a:xfrm>
-          <a:prstGeom prst="rect">
-            <a:avLst/>
-          </a:prstGeom>
-          <a:noFill/>
-        </p:spPr>
-        <p:txBody>
-          <a:bodyPr wrap="square" rtlCol="0">
-            <a:spAutoFit/>
-          </a:bodyPr>
-          <a:lstStyle/>
-          <a:p>
-            <a:pPr marL="342900" indent="-342900">
-              <a:buFont typeface="Arial" panose="020B0604020202020204" pitchFamily="34" charset="0"/>
-              <a:buChar char="•"/>
-            </a:pPr>
-            <a:r>
-              <a:rPr lang="en-US" sz="2400" dirty="0">
-                <a:latin typeface="Bahnschrift" panose="020B0502040204020203" pitchFamily="34" charset="0"/>
-              </a:rPr>
-              <a:t>July showed a decline in both profile visits and new followers.</a:t>
-            </a:r>
-          </a:p>
-          <a:p>
-            <a:pPr marL="342900" indent="-342900">
-              <a:buFont typeface="Arial" panose="020B0604020202020204" pitchFamily="34" charset="0"/>
-              <a:buChar char="•"/>
-            </a:pPr>
-            <a:endParaRPr lang="en-US" sz="2400" dirty="0">
-              <a:latin typeface="Bahnschrift" panose="020B0502040204020203" pitchFamily="34" charset="0"/>
-            </a:endParaRPr>
-          </a:p>
-          <a:p>
-            <a:pPr marL="342900" indent="-342900">
-              <a:buFont typeface="Arial" panose="020B0604020202020204" pitchFamily="34" charset="0"/>
-              <a:buChar char="•"/>
-            </a:pPr>
-            <a:r>
-              <a:rPr lang="en-US" sz="2400" dirty="0">
-                <a:latin typeface="Bahnschrift" panose="020B0502040204020203" pitchFamily="34" charset="0"/>
-              </a:rPr>
-              <a:t>Analysis of total likes by post category revealed "Other Gadgets" had the highest engagement (26,519 likes).</a:t>
-            </a:r>
-          </a:p>
-          <a:p>
-            <a:pPr marL="342900" indent="-342900">
-              <a:buFont typeface="Arial" panose="020B0604020202020204" pitchFamily="34" charset="0"/>
-              <a:buChar char="•"/>
-            </a:pPr>
-            <a:endParaRPr lang="en-US" sz="2400" dirty="0">
-              <a:latin typeface="Bahnschrift" panose="020B0502040204020203" pitchFamily="34" charset="0"/>
-            </a:endParaRPr>
-          </a:p>
-          <a:p>
-            <a:pPr marL="342900" indent="-342900">
-              <a:buFont typeface="Arial" panose="020B0604020202020204" pitchFamily="34" charset="0"/>
-              <a:buChar char="•"/>
-            </a:pPr>
-            <a:r>
-              <a:rPr lang="en-US" sz="2400" dirty="0">
-                <a:latin typeface="Bahnschrift" panose="020B0502040204020203" pitchFamily="34" charset="0"/>
-              </a:rPr>
-              <a:t>"Smartwatch" posts had the lowest engagement, with only 3,918 likes, indicating a shift in audience interest.</a:t>
-            </a:r>
-            <a:endParaRPr lang="en-IN" sz="2400" dirty="0">
-              <a:latin typeface="Bahnschrift" panose="020B0502040204020203" pitchFamily="34" charset="0"/>
-            </a:endParaRPr>
-          </a:p>
-        </p:txBody>
-      </p:sp>
-    </p:spTree>
-    <p:extLst>
-      <p:ext uri="{BB962C8B-B14F-4D97-AF65-F5344CB8AC3E}">
-        <p14:creationId xmlns:p14="http://schemas.microsoft.com/office/powerpoint/2010/main" val="1466094403"/>
       </p:ext>
     </p:extLst>
   </p:cSld>

--- a/presentation.pptx
+++ b/presentation.pptx
@@ -6631,7 +6631,7 @@
               <a:rPr lang="en-IN" sz="2400" dirty="0">
                 <a:latin typeface="Bahnschrift" panose="020B0502040204020203" pitchFamily="34" charset="0"/>
               </a:rPr>
-              <a:t>Pilot Overview dashboard :</a:t>
+              <a:t>Overview Dashboard(Pilot) :</a:t>
             </a:r>
           </a:p>
         </p:txBody>
